--- a/DataScienceProject.pptx
+++ b/DataScienceProject.pptx
@@ -13924,6 +13924,27 @@
               <a:rPr lang="en-US" dirty="0" smtClean="0"/>
               <a:t> / runs</a:t>
             </a:r>
+          </a:p>
+          <a:p>
+            <a:r>
+              <a:rPr lang="en-US" dirty="0" err="1" smtClean="0"/>
+              <a:t>point_diff</a:t>
+            </a:r>
+            <a:endParaRPr lang="en-US" dirty="0" smtClean="0"/>
+          </a:p>
+          <a:p>
+            <a:pPr lvl="1"/>
+            <a:r>
+              <a:rPr lang="en-US" dirty="0" smtClean="0"/>
+              <a:t>Should help show the ‘strength’ of a win</a:t>
+            </a:r>
+          </a:p>
+          <a:p>
+            <a:pPr lvl="1"/>
+            <a:r>
+              <a:rPr lang="en-US" dirty="0" smtClean="0"/>
+              <a:t>Still working on this</a:t>
+            </a:r>
             <a:endParaRPr lang="en-US" dirty="0"/>
           </a:p>
         </p:txBody>
@@ -14334,8 +14355,13 @@
           <a:p>
             <a:r>
               <a:rPr lang="en-US" dirty="0" smtClean="0"/>
-              <a:t>This will simplify everything down to a single number, intended to predict the points scored by that team</a:t>
-            </a:r>
+              <a:t>This will simplify everything down to a single number, intended to predict the </a:t>
+            </a:r>
+            <a:r>
+              <a:rPr lang="en-US" dirty="0" smtClean="0"/>
+              <a:t>point dominance over opponent</a:t>
+            </a:r>
+            <a:endParaRPr lang="en-US" dirty="0" smtClean="0"/>
           </a:p>
           <a:p>
             <a:r>
@@ -14726,7 +14752,7 @@
         <p:spPr/>
         <p:txBody>
           <a:bodyPr>
-            <a:normAutofit fontScale="92500" lnSpcReduction="10000"/>
+            <a:normAutofit fontScale="92500"/>
           </a:bodyPr>
           <a:lstStyle/>
           <a:p>
@@ -14739,8 +14765,13 @@
             <a:pPr lvl="1"/>
             <a:r>
               <a:rPr lang="en-US" dirty="0" smtClean="0"/>
-              <a:t>Strength = predicted number of points scored in next game</a:t>
-            </a:r>
+              <a:t>Strength = </a:t>
+            </a:r>
+            <a:r>
+              <a:rPr lang="en-US" dirty="0" smtClean="0"/>
+              <a:t>point dominance over opponent</a:t>
+            </a:r>
+            <a:endParaRPr lang="en-US" dirty="0" smtClean="0"/>
           </a:p>
           <a:p>
             <a:r>
@@ -15197,9 +15228,16 @@
             <p:ph sz="quarter" idx="14"/>
           </p:nvPr>
         </p:nvSpPr>
-        <p:spPr/>
+        <p:spPr>
+          <a:xfrm>
+            <a:off x="4645152" y="1269999"/>
+            <a:ext cx="3419856" cy="4536439"/>
+          </a:xfrm>
+        </p:spPr>
         <p:txBody>
-          <a:bodyPr/>
+          <a:bodyPr>
+            <a:normAutofit/>
+          </a:bodyPr>
           <a:lstStyle/>
           <a:p>
             <a:r>
@@ -15211,28 +15249,21 @@
             <a:pPr lvl="1"/>
             <a:r>
               <a:rPr lang="en-US" dirty="0" smtClean="0"/>
-              <a:t>“# of #”</a:t>
+              <a:t># from #</a:t>
             </a:r>
           </a:p>
           <a:p>
             <a:pPr lvl="1"/>
             <a:r>
               <a:rPr lang="en-US" dirty="0" smtClean="0"/>
-              <a:t>“# from #”</a:t>
+              <a:t>won</a:t>
             </a:r>
           </a:p>
           <a:p>
             <a:pPr lvl="1"/>
             <a:r>
               <a:rPr lang="en-US" dirty="0" smtClean="0"/>
-              <a:t>“won”</a:t>
-            </a:r>
-          </a:p>
-          <a:p>
-            <a:pPr lvl="1"/>
-            <a:r>
-              <a:rPr lang="en-US" dirty="0" smtClean="0"/>
-              <a:t>“lost”</a:t>
+              <a:t>lost</a:t>
             </a:r>
           </a:p>
           <a:p>
@@ -15240,6 +15271,30 @@
             <a:r>
               <a:rPr lang="en-US" dirty="0" smtClean="0"/>
               <a:t>(%)</a:t>
+            </a:r>
+          </a:p>
+          <a:p>
+            <a:pPr lvl="1"/>
+            <a:r>
+              <a:rPr lang="en-US" dirty="0"/>
+              <a:t> </a:t>
+            </a:r>
+            <a:r>
+              <a:rPr lang="en-US" dirty="0" smtClean="0"/>
+              <a:t>/</a:t>
+            </a:r>
+          </a:p>
+          <a:p>
+            <a:r>
+              <a:rPr lang="en-US" dirty="0" smtClean="0"/>
+              <a:t>Missing</a:t>
+            </a:r>
+          </a:p>
+          <a:p>
+            <a:pPr lvl="1"/>
+            <a:r>
+              <a:rPr lang="en-US" dirty="0" smtClean="0"/>
+              <a:t>Points, winner, point differential </a:t>
             </a:r>
           </a:p>
         </p:txBody>

--- a/DataScienceProject.pptx
+++ b/DataScienceProject.pptx
@@ -16,11 +16,11 @@
     <p:sldId id="262" r:id="rId10"/>
     <p:sldId id="263" r:id="rId11"/>
     <p:sldId id="264" r:id="rId12"/>
-    <p:sldId id="265" r:id="rId13"/>
-    <p:sldId id="266" r:id="rId14"/>
-    <p:sldId id="267" r:id="rId15"/>
-    <p:sldId id="268" r:id="rId16"/>
-    <p:sldId id="275" r:id="rId17"/>
+    <p:sldId id="266" r:id="rId13"/>
+    <p:sldId id="265" r:id="rId14"/>
+    <p:sldId id="268" r:id="rId15"/>
+    <p:sldId id="275" r:id="rId16"/>
+    <p:sldId id="277" r:id="rId17"/>
     <p:sldId id="270" r:id="rId18"/>
     <p:sldId id="272" r:id="rId19"/>
     <p:sldId id="271" r:id="rId20"/>
@@ -14025,7 +14025,11 @@
           <a:p>
             <a:r>
               <a:rPr lang="en-US" dirty="0" smtClean="0"/>
-              <a:t>Do I want to predict Win T/F?</a:t>
+              <a:t>Do </a:t>
+            </a:r>
+            <a:r>
+              <a:rPr lang="en-US" dirty="0" smtClean="0"/>
+              <a:t>I want to predict Win T/F?</a:t>
             </a:r>
           </a:p>
         </p:txBody>
@@ -14044,6 +14048,66 @@
 </file>
 
 <file path=ppt/slides/slide12.xml><?xml version="1.0" encoding="utf-8"?>
+<p:sld xmlns:a="http://schemas.openxmlformats.org/drawingml/2006/main" xmlns:r="http://schemas.openxmlformats.org/officeDocument/2006/relationships" xmlns:p="http://schemas.openxmlformats.org/presentationml/2006/main">
+  <p:cSld>
+    <p:spTree>
+      <p:nvGrpSpPr>
+        <p:cNvPr id="1" name=""/>
+        <p:cNvGrpSpPr/>
+        <p:nvPr/>
+      </p:nvGrpSpPr>
+      <p:grpSpPr>
+        <a:xfrm>
+          <a:off x="0" y="0"/>
+          <a:ext cx="0" cy="0"/>
+          <a:chOff x="0" y="0"/>
+          <a:chExt cx="0" cy="0"/>
+        </a:xfrm>
+      </p:grpSpPr>
+      <p:pic>
+        <p:nvPicPr>
+          <p:cNvPr id="5" name="Picture 4" descr="tries_win_loss.png"/>
+          <p:cNvPicPr>
+            <a:picLocks noChangeAspect="1"/>
+          </p:cNvPicPr>
+          <p:nvPr/>
+        </p:nvPicPr>
+        <p:blipFill>
+          <a:blip r:embed="rId2">
+            <a:extLst>
+              <a:ext uri="{28A0092B-C50C-407E-A947-70E740481C1C}">
+                <a14:useLocalDpi xmlns:a14="http://schemas.microsoft.com/office/drawing/2010/main" val="0"/>
+              </a:ext>
+            </a:extLst>
+          </a:blip>
+          <a:stretch>
+            <a:fillRect/>
+          </a:stretch>
+        </p:blipFill>
+        <p:spPr>
+          <a:xfrm>
+            <a:off x="914400" y="914400"/>
+            <a:ext cx="7315200" cy="5029200"/>
+          </a:xfrm>
+          <a:prstGeom prst="rect">
+            <a:avLst/>
+          </a:prstGeom>
+        </p:spPr>
+      </p:pic>
+    </p:spTree>
+    <p:extLst>
+      <p:ext uri="{BB962C8B-B14F-4D97-AF65-F5344CB8AC3E}">
+        <p14:creationId xmlns:p14="http://schemas.microsoft.com/office/powerpoint/2010/main" val="4197336968"/>
+      </p:ext>
+    </p:extLst>
+  </p:cSld>
+  <p:clrMapOvr>
+    <a:masterClrMapping/>
+  </p:clrMapOvr>
+</p:sld>
+</file>
+
+<file path=ppt/slides/slide13.xml><?xml version="1.0" encoding="utf-8"?>
 <p:sld xmlns:a="http://schemas.openxmlformats.org/drawingml/2006/main" xmlns:r="http://schemas.openxmlformats.org/officeDocument/2006/relationships" xmlns:p="http://schemas.openxmlformats.org/presentationml/2006/main">
   <p:cSld>
     <p:spTree>
@@ -14103,66 +14167,6 @@
 </p:sld>
 </file>
 
-<file path=ppt/slides/slide13.xml><?xml version="1.0" encoding="utf-8"?>
-<p:sld xmlns:a="http://schemas.openxmlformats.org/drawingml/2006/main" xmlns:r="http://schemas.openxmlformats.org/officeDocument/2006/relationships" xmlns:p="http://schemas.openxmlformats.org/presentationml/2006/main">
-  <p:cSld>
-    <p:spTree>
-      <p:nvGrpSpPr>
-        <p:cNvPr id="1" name=""/>
-        <p:cNvGrpSpPr/>
-        <p:nvPr/>
-      </p:nvGrpSpPr>
-      <p:grpSpPr>
-        <a:xfrm>
-          <a:off x="0" y="0"/>
-          <a:ext cx="0" cy="0"/>
-          <a:chOff x="0" y="0"/>
-          <a:chExt cx="0" cy="0"/>
-        </a:xfrm>
-      </p:grpSpPr>
-      <p:pic>
-        <p:nvPicPr>
-          <p:cNvPr id="5" name="Picture 4" descr="tries_win_loss.png"/>
-          <p:cNvPicPr>
-            <a:picLocks noChangeAspect="1"/>
-          </p:cNvPicPr>
-          <p:nvPr/>
-        </p:nvPicPr>
-        <p:blipFill>
-          <a:blip r:embed="rId2">
-            <a:extLst>
-              <a:ext uri="{28A0092B-C50C-407E-A947-70E740481C1C}">
-                <a14:useLocalDpi xmlns:a14="http://schemas.microsoft.com/office/drawing/2010/main" val="0"/>
-              </a:ext>
-            </a:extLst>
-          </a:blip>
-          <a:stretch>
-            <a:fillRect/>
-          </a:stretch>
-        </p:blipFill>
-        <p:spPr>
-          <a:xfrm>
-            <a:off x="914400" y="914400"/>
-            <a:ext cx="7315200" cy="5029200"/>
-          </a:xfrm>
-          <a:prstGeom prst="rect">
-            <a:avLst/>
-          </a:prstGeom>
-        </p:spPr>
-      </p:pic>
-    </p:spTree>
-    <p:extLst>
-      <p:ext uri="{BB962C8B-B14F-4D97-AF65-F5344CB8AC3E}">
-        <p14:creationId xmlns:p14="http://schemas.microsoft.com/office/powerpoint/2010/main" val="4197336968"/>
-      </p:ext>
-    </p:extLst>
-  </p:cSld>
-  <p:clrMapOvr>
-    <a:masterClrMapping/>
-  </p:clrMapOvr>
-</p:sld>
-</file>
-
 <file path=ppt/slides/slide14.xml><?xml version="1.0" encoding="utf-8"?>
 <p:sld xmlns:a="http://schemas.openxmlformats.org/drawingml/2006/main" xmlns:r="http://schemas.openxmlformats.org/officeDocument/2006/relationships" xmlns:p="http://schemas.openxmlformats.org/presentationml/2006/main">
   <p:cSld>
@@ -14180,40 +14184,55 @@
           <a:chExt cx="0" cy="0"/>
         </a:xfrm>
       </p:grpSpPr>
-      <p:pic>
-        <p:nvPicPr>
-          <p:cNvPr id="4" name="Picture 3" descr="Conversions_Win_Loss.png"/>
-          <p:cNvPicPr>
-            <a:picLocks noChangeAspect="1"/>
-          </p:cNvPicPr>
-          <p:nvPr/>
-        </p:nvPicPr>
-        <p:blipFill>
-          <a:blip r:embed="rId2">
-            <a:extLst>
-              <a:ext uri="{28A0092B-C50C-407E-A947-70E740481C1C}">
-                <a14:useLocalDpi xmlns:a14="http://schemas.microsoft.com/office/drawing/2010/main" val="0"/>
-              </a:ext>
-            </a:extLst>
-          </a:blip>
-          <a:stretch>
-            <a:fillRect/>
-          </a:stretch>
-        </p:blipFill>
-        <p:spPr>
-          <a:xfrm>
-            <a:off x="914400" y="914400"/>
-            <a:ext cx="7315200" cy="5029200"/>
-          </a:xfrm>
-          <a:prstGeom prst="rect">
-            <a:avLst/>
-          </a:prstGeom>
-        </p:spPr>
-      </p:pic>
+      <p:sp>
+        <p:nvSpPr>
+          <p:cNvPr id="2" name="Title 1"/>
+          <p:cNvSpPr>
+            <a:spLocks noGrp="1"/>
+          </p:cNvSpPr>
+          <p:nvPr>
+            <p:ph type="title"/>
+          </p:nvPr>
+        </p:nvSpPr>
+        <p:spPr/>
+        <p:txBody>
+          <a:bodyPr/>
+          <a:lstStyle/>
+          <a:p>
+            <a:r>
+              <a:rPr lang="en-US" dirty="0" smtClean="0"/>
+              <a:t>Visualizations</a:t>
+            </a:r>
+            <a:endParaRPr lang="en-US" dirty="0"/>
+          </a:p>
+        </p:txBody>
+      </p:sp>
+      <p:sp>
+        <p:nvSpPr>
+          <p:cNvPr id="3" name="Content Placeholder 2"/>
+          <p:cNvSpPr>
+            <a:spLocks noGrp="1"/>
+          </p:cNvSpPr>
+          <p:nvPr>
+            <p:ph idx="1"/>
+          </p:nvPr>
+        </p:nvSpPr>
+        <p:spPr/>
+        <p:txBody>
+          <a:bodyPr/>
+          <a:lstStyle/>
+          <a:p>
+            <a:r>
+              <a:rPr lang="en-US" dirty="0" smtClean="0"/>
+              <a:t>Do I want to look at “team strength”?</a:t>
+            </a:r>
+          </a:p>
+        </p:txBody>
+      </p:sp>
     </p:spTree>
     <p:extLst>
       <p:ext uri="{BB962C8B-B14F-4D97-AF65-F5344CB8AC3E}">
-        <p14:creationId xmlns:p14="http://schemas.microsoft.com/office/powerpoint/2010/main" val="3446783563"/>
+        <p14:creationId xmlns:p14="http://schemas.microsoft.com/office/powerpoint/2010/main" val="4217917884"/>
       </p:ext>
     </p:extLst>
   </p:cSld>
@@ -14257,7 +14276,7 @@
           <a:p>
             <a:r>
               <a:rPr lang="en-US" dirty="0" smtClean="0"/>
-              <a:t>Visualizations</a:t>
+              <a:t>“Strength”</a:t>
             </a:r>
             <a:endParaRPr lang="en-US" dirty="0"/>
           </a:p>
@@ -14280,7 +14299,18 @@
           <a:p>
             <a:r>
               <a:rPr lang="en-US" dirty="0" smtClean="0"/>
-              <a:t>Do I want to look at “team strength”?</a:t>
+              <a:t>This will simplify everything down to a single number, intended to predict the </a:t>
+            </a:r>
+            <a:r>
+              <a:rPr lang="en-US" dirty="0" smtClean="0"/>
+              <a:t>point dominance over opponent</a:t>
+            </a:r>
+            <a:endParaRPr lang="en-US" dirty="0" smtClean="0"/>
+          </a:p>
+          <a:p>
+            <a:r>
+              <a:rPr lang="en-US" dirty="0" smtClean="0"/>
+              <a:t>By comparing strengths, we can predict which of two teams will win</a:t>
             </a:r>
           </a:p>
         </p:txBody>
@@ -14288,7 +14318,7 @@
     </p:spTree>
     <p:extLst>
       <p:ext uri="{BB962C8B-B14F-4D97-AF65-F5344CB8AC3E}">
-        <p14:creationId xmlns:p14="http://schemas.microsoft.com/office/powerpoint/2010/main" val="4217917884"/>
+        <p14:creationId xmlns:p14="http://schemas.microsoft.com/office/powerpoint/2010/main" val="850175334"/>
       </p:ext>
     </p:extLst>
   </p:cSld>
@@ -14315,66 +14345,40 @@
           <a:chExt cx="0" cy="0"/>
         </a:xfrm>
       </p:grpSpPr>
-      <p:sp>
-        <p:nvSpPr>
-          <p:cNvPr id="2" name="Title 1"/>
-          <p:cNvSpPr>
-            <a:spLocks noGrp="1"/>
-          </p:cNvSpPr>
-          <p:nvPr>
-            <p:ph type="title"/>
-          </p:nvPr>
-        </p:nvSpPr>
-        <p:spPr/>
-        <p:txBody>
-          <a:bodyPr/>
-          <a:lstStyle/>
-          <a:p>
-            <a:r>
-              <a:rPr lang="en-US" dirty="0" smtClean="0"/>
-              <a:t>“Strength”</a:t>
-            </a:r>
-            <a:endParaRPr lang="en-US" dirty="0"/>
-          </a:p>
-        </p:txBody>
-      </p:sp>
-      <p:sp>
-        <p:nvSpPr>
-          <p:cNvPr id="3" name="Content Placeholder 2"/>
-          <p:cNvSpPr>
-            <a:spLocks noGrp="1"/>
-          </p:cNvSpPr>
-          <p:nvPr>
-            <p:ph idx="1"/>
-          </p:nvPr>
-        </p:nvSpPr>
-        <p:spPr/>
-        <p:txBody>
-          <a:bodyPr/>
-          <a:lstStyle/>
-          <a:p>
-            <a:r>
-              <a:rPr lang="en-US" dirty="0" smtClean="0"/>
-              <a:t>This will simplify everything down to a single number, intended to predict the </a:t>
-            </a:r>
-            <a:r>
-              <a:rPr lang="en-US" dirty="0" smtClean="0"/>
-              <a:t>point dominance over opponent</a:t>
-            </a:r>
-            <a:endParaRPr lang="en-US" dirty="0" smtClean="0"/>
-          </a:p>
-          <a:p>
-            <a:r>
-              <a:rPr lang="en-US" dirty="0" smtClean="0"/>
-              <a:t>By comparing strengths, we can predict which of two teams will win</a:t>
-            </a:r>
-          </a:p>
-        </p:txBody>
-      </p:sp>
+      <p:pic>
+        <p:nvPicPr>
+          <p:cNvPr id="6" name="Picture 5" descr="points_scored_single_team.png"/>
+          <p:cNvPicPr>
+            <a:picLocks noChangeAspect="1"/>
+          </p:cNvPicPr>
+          <p:nvPr/>
+        </p:nvPicPr>
+        <p:blipFill>
+          <a:blip r:embed="rId2">
+            <a:extLst>
+              <a:ext uri="{28A0092B-C50C-407E-A947-70E740481C1C}">
+                <a14:useLocalDpi xmlns:a14="http://schemas.microsoft.com/office/drawing/2010/main" val="0"/>
+              </a:ext>
+            </a:extLst>
+          </a:blip>
+          <a:stretch>
+            <a:fillRect/>
+          </a:stretch>
+        </p:blipFill>
+        <p:spPr>
+          <a:xfrm>
+            <a:off x="914400" y="914400"/>
+            <a:ext cx="7315200" cy="5029200"/>
+          </a:xfrm>
+          <a:prstGeom prst="rect">
+            <a:avLst/>
+          </a:prstGeom>
+        </p:spPr>
+      </p:pic>
     </p:spTree>
     <p:extLst>
       <p:ext uri="{BB962C8B-B14F-4D97-AF65-F5344CB8AC3E}">
-        <p14:creationId xmlns:p14="http://schemas.microsoft.com/office/powerpoint/2010/main" val="850175334"/>
+        <p14:creationId xmlns:p14="http://schemas.microsoft.com/office/powerpoint/2010/main" val="857526319"/>
       </p:ext>
     </p:extLst>
   </p:cSld>
@@ -14621,7 +14625,19 @@
           <a:p>
             <a:r>
               <a:rPr lang="en-US" dirty="0" smtClean="0"/>
-              <a:t>Based on previous matches in a season, can we predict who will win a match with known opponents</a:t>
+              <a:t>Based on previous matches in a season, can we predict who will win a match </a:t>
+            </a:r>
+            <a:r>
+              <a:rPr lang="en-US" dirty="0" smtClean="0"/>
+              <a:t>between</a:t>
+            </a:r>
+            <a:r>
+              <a:rPr lang="en-US" dirty="0" smtClean="0"/>
+              <a:t> </a:t>
+            </a:r>
+            <a:r>
+              <a:rPr lang="en-US" dirty="0" smtClean="0"/>
+              <a:t>known opponents</a:t>
             </a:r>
           </a:p>
         </p:txBody>
